--- a/SE423/Lectures/1-Introduction/Introduction.pptx
+++ b/SE423/Lectures/1-Introduction/Introduction.pptx
@@ -307,7 +307,7 @@
           <a:p>
             <a:fld id="{41DA9887-9249-49FD-809A-BACB264048C3}" type="datetimeFigureOut">
               <a:rPr lang="en-US" smtClean="0"/>
-              <a:t>11/24/2022</a:t>
+              <a:t>1/23/2023</a:t>
             </a:fld>
             <a:endParaRPr lang="en-US"/>
           </a:p>
@@ -2902,7 +2902,7 @@
           <a:p>
             <a:fld id="{EF213E56-3C1A-435A-851B-5B1F221C2038}" type="datetime1">
               <a:rPr lang="en-US" smtClean="0"/>
-              <a:t>11/24/2022</a:t>
+              <a:t>1/23/2023</a:t>
             </a:fld>
             <a:endParaRPr lang="en-US"/>
           </a:p>
@@ -3181,7 +3181,7 @@
           <a:p>
             <a:fld id="{B4696837-4851-4AA6-8AED-554226C981D1}" type="datetime1">
               <a:rPr lang="en-US" smtClean="0"/>
-              <a:t>11/24/2022</a:t>
+              <a:t>1/23/2023</a:t>
             </a:fld>
             <a:endParaRPr lang="en-US"/>
           </a:p>
@@ -3359,7 +3359,7 @@
           <a:p>
             <a:fld id="{BADD32E1-BB70-4827-BA33-FF5AFC435BE9}" type="datetime1">
               <a:rPr lang="en-US" smtClean="0"/>
-              <a:t>11/24/2022</a:t>
+              <a:t>1/23/2023</a:t>
             </a:fld>
             <a:endParaRPr lang="en-US"/>
           </a:p>
@@ -3605,7 +3605,7 @@
             </a:pPr>
             <a:fld id="{40B9EAF6-54F2-4DF5-9C6B-3F6F95B86356}" type="datetime1">
               <a:rPr lang="en-US" smtClean="0"/>
-              <a:t>11/24/2022</a:t>
+              <a:t>1/23/2023</a:t>
             </a:fld>
             <a:endParaRPr lang="en-US"/>
           </a:p>
@@ -3786,7 +3786,7 @@
             </a:pPr>
             <a:fld id="{D3D64A56-6FF4-479A-8655-719A18A98C4B}" type="datetime1">
               <a:rPr lang="en-US" smtClean="0"/>
-              <a:t>11/24/2022</a:t>
+              <a:t>1/23/2023</a:t>
             </a:fld>
             <a:endParaRPr lang="en-US"/>
           </a:p>
@@ -4064,7 +4064,7 @@
           <a:p>
             <a:fld id="{BB961044-FC46-4CBC-9061-59528F4899F3}" type="datetime1">
               <a:rPr lang="en-US" smtClean="0"/>
-              <a:t>11/24/2022</a:t>
+              <a:t>1/23/2023</a:t>
             </a:fld>
             <a:endParaRPr lang="en-US"/>
           </a:p>
@@ -4408,7 +4408,7 @@
           <a:p>
             <a:fld id="{4466A08C-77F3-471E-A5C4-1D2068144BAC}" type="datetime1">
               <a:rPr lang="en-US" smtClean="0"/>
-              <a:t>11/24/2022</a:t>
+              <a:t>1/23/2023</a:t>
             </a:fld>
             <a:endParaRPr lang="en-US"/>
           </a:p>
@@ -4637,7 +4637,7 @@
           <a:p>
             <a:fld id="{B90A7AD1-16F4-44C3-AE32-24C59A599E9D}" type="datetime1">
               <a:rPr lang="en-US" smtClean="0"/>
-              <a:t>11/24/2022</a:t>
+              <a:t>1/23/2023</a:t>
             </a:fld>
             <a:endParaRPr lang="en-US"/>
           </a:p>
@@ -5001,7 +5001,7 @@
           <a:p>
             <a:fld id="{B583DB4F-4316-4DF5-A229-BC1D787C82A0}" type="datetime1">
               <a:rPr lang="en-US" smtClean="0"/>
-              <a:t>11/24/2022</a:t>
+              <a:t>1/23/2023</a:t>
             </a:fld>
             <a:endParaRPr lang="en-US"/>
           </a:p>
@@ -5096,7 +5096,7 @@
           <a:p>
             <a:fld id="{AE6064B7-7A9F-432D-B7B9-6824267AA574}" type="datetime1">
               <a:rPr lang="en-US" smtClean="0"/>
-              <a:t>11/24/2022</a:t>
+              <a:t>1/23/2023</a:t>
             </a:fld>
             <a:endParaRPr lang="en-US"/>
           </a:p>
@@ -5318,7 +5318,7 @@
             <a:fld id="{B2F5E2FA-C428-4CE7-95B0-168D3259A5BB}" type="datetimeFigureOut">
               <a:rPr lang="en-US" smtClean="0"/>
               <a:pPr/>
-              <a:t>11/24/2022</a:t>
+              <a:t>1/23/2023</a:t>
             </a:fld>
             <a:endParaRPr lang="en-US"/>
           </a:p>
@@ -5489,7 +5489,7 @@
           <a:p>
             <a:fld id="{4E1C93A2-B712-486A-8AB5-D41B95D547BE}" type="datetime1">
               <a:rPr lang="en-US" smtClean="0"/>
-              <a:t>11/24/2022</a:t>
+              <a:t>1/23/2023</a:t>
             </a:fld>
             <a:endParaRPr lang="en-US"/>
           </a:p>
@@ -5764,7 +5764,7 @@
           <a:p>
             <a:fld id="{CAB2F318-F19F-4608-B7EF-F7FB8A482213}" type="datetime1">
               <a:rPr lang="en-US" smtClean="0"/>
-              <a:t>11/24/2022</a:t>
+              <a:t>1/23/2023</a:t>
             </a:fld>
             <a:endParaRPr lang="en-US"/>
           </a:p>
@@ -6016,7 +6016,7 @@
           <a:p>
             <a:fld id="{BB9CEF8C-69D6-4C3E-B892-F682F307A7B6}" type="datetime1">
               <a:rPr lang="en-US" smtClean="0"/>
-              <a:t>11/24/2022</a:t>
+              <a:t>1/23/2023</a:t>
             </a:fld>
             <a:endParaRPr lang="en-US"/>
           </a:p>
@@ -6227,7 +6227,7 @@
           <a:p>
             <a:fld id="{FB737C73-4A31-4C17-AFB7-7B8470027787}" type="datetime1">
               <a:rPr lang="en-US" smtClean="0"/>
-              <a:t>11/24/2022</a:t>
+              <a:t>1/23/2023</a:t>
             </a:fld>
             <a:endParaRPr lang="en-US"/>
           </a:p>
@@ -7229,11 +7229,7 @@
           <a:p>
             <a:r>
               <a:rPr lang="en-US" dirty="0" smtClean="0"/>
-              <a:t>PMI </a:t>
-            </a:r>
-            <a:r>
-              <a:rPr lang="en-US" dirty="0" smtClean="0"/>
-              <a:t>provides certification as a Project Management Professional (PMP®)</a:t>
+              <a:t>PMI provides certification as a Project Management Professional (PMP®)</a:t>
             </a:r>
           </a:p>
           <a:p>
@@ -8221,7 +8217,6 @@
               <a:rPr lang="en-US" dirty="0"/>
               <a:t>PMBOK</a:t>
             </a:r>
-            <a:endParaRPr lang="en-US" dirty="0"/>
           </a:p>
         </p:txBody>
       </p:sp>
@@ -9411,7 +9406,6 @@
               <a:rPr lang="en-US" dirty="0"/>
               <a:t>Advantages of Using Formal Project Management</a:t>
             </a:r>
-            <a:endParaRPr lang="en-US" dirty="0"/>
           </a:p>
         </p:txBody>
       </p:sp>
@@ -9434,11 +9428,7 @@
           <a:p>
             <a:r>
               <a:rPr lang="en-US" dirty="0" smtClean="0"/>
-              <a:t>Better </a:t>
-            </a:r>
-            <a:r>
-              <a:rPr lang="en-US" dirty="0" smtClean="0"/>
-              <a:t>control of financial, physical, and human resources</a:t>
+              <a:t>Better control of financial, physical, and human resources</a:t>
             </a:r>
           </a:p>
           <a:p>
@@ -10524,7 +10514,7 @@
               <a:buAutoNum type="arabicPeriod"/>
             </a:pPr>
             <a:r>
-              <a:rPr lang="en-US" b="1" dirty="0">
+              <a:rPr lang="en-US" dirty="0">
                 <a:solidFill>
                   <a:srgbClr val="7030A0"/>
                 </a:solidFill>
@@ -10538,7 +10528,7 @@
               <a:buAutoNum type="arabicPeriod"/>
             </a:pPr>
             <a:r>
-              <a:rPr lang="en-US" b="1" dirty="0">
+              <a:rPr lang="en-US" dirty="0">
                 <a:solidFill>
                   <a:srgbClr val="7030A0"/>
                 </a:solidFill>
@@ -10566,7 +10556,7 @@
               <a:buAutoNum type="arabicPeriod"/>
             </a:pPr>
             <a:r>
-              <a:rPr lang="en-US" b="1" dirty="0">
+              <a:rPr lang="en-US" dirty="0">
                 <a:solidFill>
                   <a:srgbClr val="7030A0"/>
                 </a:solidFill>
@@ -10594,7 +10584,7 @@
               <a:buAutoNum type="arabicPeriod"/>
             </a:pPr>
             <a:r>
-              <a:rPr lang="en-US" b="1" dirty="0">
+              <a:rPr lang="en-US" dirty="0">
                 <a:solidFill>
                   <a:srgbClr val="7030A0"/>
                 </a:solidFill>
@@ -10872,48 +10862,64 @@
               <a:rPr lang="en-US" dirty="0" smtClean="0"/>
               <a:t>Outcome</a:t>
             </a:r>
+          </a:p>
+          <a:p>
+            <a:pPr lvl="1"/>
+            <a:r>
+              <a:rPr lang="en-US" dirty="0" smtClean="0"/>
+              <a:t>An end result or consequence of a process or </a:t>
+            </a:r>
+            <a:r>
+              <a:rPr lang="en-US" dirty="0" smtClean="0"/>
+              <a:t>project.</a:t>
+            </a:r>
             <a:endParaRPr lang="en-US" dirty="0" smtClean="0"/>
           </a:p>
           <a:p>
             <a:pPr lvl="1"/>
             <a:r>
               <a:rPr lang="en-US" dirty="0" smtClean="0"/>
-              <a:t>An end result or consequence of a process or project. </a:t>
+              <a:t>Outcomes can include outputs and artifacts, but have a broader intent by focusing on the benefits and value that the project was undertaken to </a:t>
+            </a:r>
+            <a:r>
+              <a:rPr lang="en-US" dirty="0" smtClean="0"/>
+              <a:t>deliver.</a:t>
+            </a:r>
+            <a:endParaRPr lang="en-US" dirty="0" smtClean="0"/>
+          </a:p>
+          <a:p>
+            <a:r>
+              <a:rPr lang="en-US" dirty="0" smtClean="0"/>
+              <a:t>Portfolio</a:t>
             </a:r>
           </a:p>
           <a:p>
             <a:pPr lvl="1"/>
             <a:r>
               <a:rPr lang="en-US" dirty="0" smtClean="0"/>
-              <a:t>Outcomes can include outputs and artifacts, but have a broader intent by focusing on the benefits and value that the project was undertaken to deliver.</a:t>
-            </a:r>
-          </a:p>
-          <a:p>
-            <a:r>
-              <a:rPr lang="en-US" dirty="0" smtClean="0"/>
-              <a:t>Portfolio</a:t>
+              <a:t>Projects, programs, subsidiary portfolios, and operations managed as a group to achieve strategic </a:t>
+            </a:r>
+            <a:r>
+              <a:rPr lang="en-US" dirty="0" smtClean="0"/>
+              <a:t>objectives.</a:t>
             </a:r>
             <a:endParaRPr lang="en-US" dirty="0" smtClean="0"/>
           </a:p>
           <a:p>
+            <a:r>
+              <a:rPr lang="en-US" dirty="0" smtClean="0"/>
+              <a:t>Product</a:t>
+            </a:r>
+          </a:p>
+          <a:p>
             <a:pPr lvl="1"/>
             <a:r>
               <a:rPr lang="en-US" dirty="0" smtClean="0"/>
-              <a:t>Projects, programs, subsidiary portfolios, and operations managed as a group to achieve strategic objectives.</a:t>
-            </a:r>
-          </a:p>
-          <a:p>
-            <a:r>
-              <a:rPr lang="en-US" dirty="0" smtClean="0"/>
-              <a:t>Product</a:t>
-            </a:r>
-            <a:endParaRPr lang="en-US" dirty="0" smtClean="0"/>
-          </a:p>
-          <a:p>
-            <a:pPr lvl="1"/>
-            <a:r>
-              <a:rPr lang="en-US" dirty="0" smtClean="0"/>
-              <a:t>An artifact that is produced, is quantifiable, and can be either an end item in itself or a component item.</a:t>
+              <a:t>An artifact that is produced, is quantifiable, and can be either an end item in itself or a component </a:t>
+            </a:r>
+            <a:r>
+              <a:rPr lang="en-US" dirty="0" smtClean="0"/>
+              <a:t>item.</a:t>
             </a:r>
             <a:endParaRPr lang="en-US" dirty="0"/>
           </a:p>
@@ -11017,7 +11023,6 @@
               <a:rPr lang="en-US" dirty="0" smtClean="0"/>
               <a:t>Program</a:t>
             </a:r>
-            <a:endParaRPr lang="en-US" dirty="0" smtClean="0"/>
           </a:p>
           <a:p>
             <a:pPr lvl="1"/>
@@ -11031,7 +11036,6 @@
               <a:rPr lang="en-US" dirty="0" smtClean="0"/>
               <a:t>Project</a:t>
             </a:r>
-            <a:endParaRPr lang="en-US" dirty="0" smtClean="0"/>
           </a:p>
           <a:p>
             <a:pPr lvl="1"/>
@@ -11153,13 +11157,8 @@
           <a:p>
             <a:r>
               <a:rPr lang="en-US" dirty="0" smtClean="0"/>
-              <a:t>Project </a:t>
-            </a:r>
-            <a:r>
-              <a:rPr lang="en-US" dirty="0" smtClean="0"/>
-              <a:t>management</a:t>
-            </a:r>
-            <a:endParaRPr lang="en-US" dirty="0" smtClean="0"/>
+              <a:t>Project management</a:t>
+            </a:r>
           </a:p>
           <a:p>
             <a:pPr lvl="1"/>
@@ -11281,13 +11280,8 @@
           <a:p>
             <a:r>
               <a:rPr lang="en-US" dirty="0" smtClean="0"/>
-              <a:t>Project </a:t>
-            </a:r>
-            <a:r>
-              <a:rPr lang="en-US" dirty="0" smtClean="0"/>
-              <a:t>manager</a:t>
-            </a:r>
-            <a:endParaRPr lang="en-US" dirty="0" smtClean="0"/>
+              <a:t>Project manager</a:t>
+            </a:r>
           </a:p>
           <a:p>
             <a:pPr lvl="1"/>
@@ -11402,13 +11396,8 @@
           <a:p>
             <a:r>
               <a:rPr lang="en-US" dirty="0" smtClean="0"/>
-              <a:t>Project </a:t>
-            </a:r>
-            <a:r>
-              <a:rPr lang="en-US" dirty="0" smtClean="0"/>
-              <a:t>team</a:t>
-            </a:r>
-            <a:endParaRPr lang="en-US" dirty="0" smtClean="0"/>
+              <a:t>Project team</a:t>
+            </a:r>
           </a:p>
           <a:p>
             <a:pPr lvl="1"/>
@@ -11420,13 +11409,8 @@
           <a:p>
             <a:r>
               <a:rPr lang="en-US" dirty="0" smtClean="0"/>
-              <a:t>System for value </a:t>
-            </a:r>
-            <a:r>
-              <a:rPr lang="en-US" dirty="0" smtClean="0"/>
-              <a:t>delivery</a:t>
-            </a:r>
-            <a:endParaRPr lang="en-US" dirty="0" smtClean="0"/>
+              <a:t>System for value delivery</a:t>
+            </a:r>
           </a:p>
           <a:p>
             <a:pPr lvl="1"/>
@@ -11543,7 +11527,6 @@
               <a:rPr lang="en-US" dirty="0" smtClean="0"/>
               <a:t>Value</a:t>
             </a:r>
-            <a:endParaRPr lang="en-US" dirty="0" smtClean="0"/>
           </a:p>
           <a:p>
             <a:pPr lvl="1"/>
@@ -11781,8 +11764,13 @@
             <a:pPr lvl="1"/>
             <a:r>
               <a:rPr lang="en-US" dirty="0" smtClean="0"/>
-              <a:t>Creating Value. </a:t>
-            </a:r>
+              <a:t>Creating </a:t>
+            </a:r>
+            <a:r>
+              <a:rPr lang="en-US" dirty="0" smtClean="0"/>
+              <a:t>Value </a:t>
+            </a:r>
+            <a:endParaRPr lang="en-US" dirty="0" smtClean="0"/>
           </a:p>
           <a:p>
             <a:pPr lvl="2"/>
@@ -11795,8 +11783,13 @@
             <a:pPr lvl="1"/>
             <a:r>
               <a:rPr lang="en-US" dirty="0" smtClean="0"/>
-              <a:t>Organizational Governance Systems. </a:t>
-            </a:r>
+              <a:t>Organizational Governance </a:t>
+            </a:r>
+            <a:r>
+              <a:rPr lang="en-US" dirty="0" smtClean="0"/>
+              <a:t>Systems </a:t>
+            </a:r>
+            <a:endParaRPr lang="en-US" dirty="0" smtClean="0"/>
           </a:p>
           <a:p>
             <a:pPr lvl="2"/>
@@ -11809,8 +11802,13 @@
             <a:pPr lvl="1"/>
             <a:r>
               <a:rPr lang="en-US" dirty="0" smtClean="0"/>
-              <a:t>Functions Associated with Projects. </a:t>
-            </a:r>
+              <a:t>Functions Associated with </a:t>
+            </a:r>
+            <a:r>
+              <a:rPr lang="en-US" dirty="0" smtClean="0"/>
+              <a:t>Projects </a:t>
+            </a:r>
+            <a:endParaRPr lang="en-US" dirty="0" smtClean="0"/>
           </a:p>
           <a:p>
             <a:pPr lvl="2"/>
@@ -11823,8 +11821,13 @@
             <a:pPr lvl="1"/>
             <a:r>
               <a:rPr lang="en-US" dirty="0" smtClean="0"/>
-              <a:t>The Project Environment. </a:t>
-            </a:r>
+              <a:t>The Project </a:t>
+            </a:r>
+            <a:r>
+              <a:rPr lang="en-US" dirty="0" smtClean="0"/>
+              <a:t>Environment</a:t>
+            </a:r>
+            <a:endParaRPr lang="en-US" dirty="0" smtClean="0"/>
           </a:p>
           <a:p>
             <a:pPr lvl="2"/>
@@ -11837,8 +11840,13 @@
             <a:pPr lvl="1"/>
             <a:r>
               <a:rPr lang="en-US" dirty="0" smtClean="0"/>
-              <a:t>Product Management Considerations. </a:t>
-            </a:r>
+              <a:t>Product Management </a:t>
+            </a:r>
+            <a:r>
+              <a:rPr lang="en-US" dirty="0" smtClean="0"/>
+              <a:t>Considerations</a:t>
+            </a:r>
+            <a:endParaRPr lang="en-US" dirty="0" smtClean="0"/>
           </a:p>
           <a:p>
             <a:pPr lvl="2"/>
